--- a/01_Project_-_Team_7_-_Spotify_Metrics_vs_Ticket_Sales.pptx
+++ b/01_Project_-_Team_7_-_Spotify_Metrics_vs_Ticket_Sales.pptx
@@ -855,7 +855,7 @@
           <a:p>
             <a:fld id="{FD55AA08-CF1A-43CE-82C6-3618CD96A7D8}" type="datetimeFigureOut">
               <a:rPr lang="en-US" smtClean="0"/>
-              <a:t>10/29/2019</a:t>
+              <a:t>4/21/2020</a:t>
             </a:fld>
             <a:endParaRPr lang="en-US"/>
           </a:p>
@@ -1106,7 +1106,7 @@
           <a:p>
             <a:fld id="{FD55AA08-CF1A-43CE-82C6-3618CD96A7D8}" type="datetimeFigureOut">
               <a:rPr lang="en-US" smtClean="0"/>
-              <a:t>10/29/2019</a:t>
+              <a:t>4/21/2020</a:t>
             </a:fld>
             <a:endParaRPr lang="en-US"/>
           </a:p>
@@ -1420,7 +1420,7 @@
           <a:p>
             <a:fld id="{FD55AA08-CF1A-43CE-82C6-3618CD96A7D8}" type="datetimeFigureOut">
               <a:rPr lang="en-US" smtClean="0"/>
-              <a:t>10/29/2019</a:t>
+              <a:t>4/21/2020</a:t>
             </a:fld>
             <a:endParaRPr lang="en-US"/>
           </a:p>
@@ -1761,7 +1761,7 @@
           <a:p>
             <a:fld id="{FD55AA08-CF1A-43CE-82C6-3618CD96A7D8}" type="datetimeFigureOut">
               <a:rPr lang="en-US" smtClean="0"/>
-              <a:t>10/29/2019</a:t>
+              <a:t>4/21/2020</a:t>
             </a:fld>
             <a:endParaRPr lang="en-US"/>
           </a:p>
@@ -2075,7 +2075,7 @@
           <a:p>
             <a:fld id="{FD55AA08-CF1A-43CE-82C6-3618CD96A7D8}" type="datetimeFigureOut">
               <a:rPr lang="en-US" smtClean="0"/>
-              <a:t>10/29/2019</a:t>
+              <a:t>4/21/2020</a:t>
             </a:fld>
             <a:endParaRPr lang="en-US"/>
           </a:p>
@@ -2468,7 +2468,7 @@
           <a:p>
             <a:fld id="{FD55AA08-CF1A-43CE-82C6-3618CD96A7D8}" type="datetimeFigureOut">
               <a:rPr lang="en-US" smtClean="0"/>
-              <a:t>10/29/2019</a:t>
+              <a:t>4/21/2020</a:t>
             </a:fld>
             <a:endParaRPr lang="en-US"/>
           </a:p>
@@ -2638,7 +2638,7 @@
           <a:p>
             <a:fld id="{FD55AA08-CF1A-43CE-82C6-3618CD96A7D8}" type="datetimeFigureOut">
               <a:rPr lang="en-US" smtClean="0"/>
-              <a:t>10/29/2019</a:t>
+              <a:t>4/21/2020</a:t>
             </a:fld>
             <a:endParaRPr lang="en-US"/>
           </a:p>
@@ -2818,7 +2818,7 @@
           <a:p>
             <a:fld id="{FD55AA08-CF1A-43CE-82C6-3618CD96A7D8}" type="datetimeFigureOut">
               <a:rPr lang="en-US" smtClean="0"/>
-              <a:t>10/29/2019</a:t>
+              <a:t>4/21/2020</a:t>
             </a:fld>
             <a:endParaRPr lang="en-US"/>
           </a:p>
@@ -2994,7 +2994,7 @@
           <a:p>
             <a:fld id="{FD55AA08-CF1A-43CE-82C6-3618CD96A7D8}" type="datetimeFigureOut">
               <a:rPr lang="en-US" smtClean="0"/>
-              <a:t>10/29/2019</a:t>
+              <a:t>4/21/2020</a:t>
             </a:fld>
             <a:endParaRPr lang="en-US"/>
           </a:p>
@@ -3241,7 +3241,7 @@
           <a:p>
             <a:fld id="{FD55AA08-CF1A-43CE-82C6-3618CD96A7D8}" type="datetimeFigureOut">
               <a:rPr lang="en-US" smtClean="0"/>
-              <a:t>10/29/2019</a:t>
+              <a:t>4/21/2020</a:t>
             </a:fld>
             <a:endParaRPr lang="en-US"/>
           </a:p>
@@ -3473,7 +3473,7 @@
           <a:p>
             <a:fld id="{FD55AA08-CF1A-43CE-82C6-3618CD96A7D8}" type="datetimeFigureOut">
               <a:rPr lang="en-US" smtClean="0"/>
-              <a:t>10/29/2019</a:t>
+              <a:t>4/21/2020</a:t>
             </a:fld>
             <a:endParaRPr lang="en-US"/>
           </a:p>
@@ -3847,7 +3847,7 @@
           <a:p>
             <a:fld id="{FD55AA08-CF1A-43CE-82C6-3618CD96A7D8}" type="datetimeFigureOut">
               <a:rPr lang="en-US" smtClean="0"/>
-              <a:t>10/29/2019</a:t>
+              <a:t>4/21/2020</a:t>
             </a:fld>
             <a:endParaRPr lang="en-US"/>
           </a:p>
@@ -3970,7 +3970,7 @@
           <a:p>
             <a:fld id="{FD55AA08-CF1A-43CE-82C6-3618CD96A7D8}" type="datetimeFigureOut">
               <a:rPr lang="en-US" smtClean="0"/>
-              <a:t>10/29/2019</a:t>
+              <a:t>4/21/2020</a:t>
             </a:fld>
             <a:endParaRPr lang="en-US"/>
           </a:p>
@@ -4065,7 +4065,7 @@
           <a:p>
             <a:fld id="{FD55AA08-CF1A-43CE-82C6-3618CD96A7D8}" type="datetimeFigureOut">
               <a:rPr lang="en-US" smtClean="0"/>
-              <a:t>10/29/2019</a:t>
+              <a:t>4/21/2020</a:t>
             </a:fld>
             <a:endParaRPr lang="en-US"/>
           </a:p>
@@ -4320,7 +4320,7 @@
           <a:p>
             <a:fld id="{FD55AA08-CF1A-43CE-82C6-3618CD96A7D8}" type="datetimeFigureOut">
               <a:rPr lang="en-US" smtClean="0"/>
-              <a:t>10/29/2019</a:t>
+              <a:t>4/21/2020</a:t>
             </a:fld>
             <a:endParaRPr lang="en-US"/>
           </a:p>
@@ -4583,7 +4583,7 @@
           <a:p>
             <a:fld id="{FD55AA08-CF1A-43CE-82C6-3618CD96A7D8}" type="datetimeFigureOut">
               <a:rPr lang="en-US" smtClean="0"/>
-              <a:t>10/29/2019</a:t>
+              <a:t>4/21/2020</a:t>
             </a:fld>
             <a:endParaRPr lang="en-US"/>
           </a:p>
@@ -5326,7 +5326,7 @@
           <a:p>
             <a:fld id="{FD55AA08-CF1A-43CE-82C6-3618CD96A7D8}" type="datetimeFigureOut">
               <a:rPr lang="en-US" smtClean="0"/>
-              <a:t>10/29/2019</a:t>
+              <a:t>4/21/2020</a:t>
             </a:fld>
             <a:endParaRPr lang="en-US"/>
           </a:p>
@@ -6005,7 +6005,7 @@
                   <a:schemeClr val="tx1"/>
                 </a:solidFill>
               </a:rPr>
-              <a:t>ARTHUR ADJAMOFLIAN</a:t>
+              <a:t>ARTHUR ADJAMOGLIAN</a:t>
             </a:r>
           </a:p>
           <a:p>
